--- a/docs/plan-de-proyecto/presentacion_caso.pptx
+++ b/docs/plan-de-proyecto/presentacion_caso.pptx
@@ -209,7 +209,7 @@
           <a:p>
             <a:fld id="{5F5A3C90-08A7-4C4F-9765-25EF2ADA2C26}" type="datetimeFigureOut">
               <a:rPr lang="es-CL" smtClean="0"/>
-              <a:t>12-09-2016</a:t>
+              <a:t>13-09-2016</a:t>
             </a:fld>
             <a:endParaRPr lang="es-CL"/>
           </a:p>
@@ -2582,7 +2582,6 @@
               <a:rPr lang="en-US" baseline="0" dirty="0" smtClean="0"/>
               <a:t>:</a:t>
             </a:r>
-            <a:endParaRPr lang="en-US" baseline="0" dirty="0" smtClean="0"/>
           </a:p>
           <a:p>
             <a:endParaRPr lang="en-US" baseline="0" dirty="0" smtClean="0"/>
@@ -3206,7 +3205,7 @@
           <a:p>
             <a:fld id="{89E5C9D5-1059-417C-933B-079D684B6386}" type="datetime1">
               <a:rPr lang="es-CL" smtClean="0"/>
-              <a:t>12-09-2016</a:t>
+              <a:t>13-09-2016</a:t>
             </a:fld>
             <a:endParaRPr lang="es-CL"/>
           </a:p>
@@ -3376,7 +3375,7 @@
           <a:p>
             <a:fld id="{A8720E4C-398C-460E-BAB2-2CA54AE1728D}" type="datetime1">
               <a:rPr lang="es-CL" smtClean="0"/>
-              <a:t>12-09-2016</a:t>
+              <a:t>13-09-2016</a:t>
             </a:fld>
             <a:endParaRPr lang="es-CL"/>
           </a:p>
@@ -3597,7 +3596,7 @@
           <a:p>
             <a:fld id="{43E203C6-1909-4781-971E-116AFD440A10}" type="datetime1">
               <a:rPr lang="es-CL" smtClean="0"/>
-              <a:t>12-09-2016</a:t>
+              <a:t>13-09-2016</a:t>
             </a:fld>
             <a:endParaRPr lang="es-CL"/>
           </a:p>
@@ -3808,7 +3807,7 @@
           <a:p>
             <a:fld id="{154DED30-8343-49F5-A66D-C88BB0DF3F98}" type="datetime1">
               <a:rPr lang="es-CL" smtClean="0"/>
-              <a:t>12-09-2016</a:t>
+              <a:t>13-09-2016</a:t>
             </a:fld>
             <a:endParaRPr lang="es-CL"/>
           </a:p>
@@ -4103,7 +4102,7 @@
           <a:p>
             <a:fld id="{008ECD7B-FFF3-4FF8-AAE9-DF516B8429F0}" type="datetime1">
               <a:rPr lang="es-CL" smtClean="0"/>
-              <a:t>12-09-2016</a:t>
+              <a:t>13-09-2016</a:t>
             </a:fld>
             <a:endParaRPr lang="es-CL"/>
           </a:p>
@@ -4432,7 +4431,7 @@
           <a:p>
             <a:fld id="{BE1B6FD1-7923-4D70-9EDC-F33CED2E88B0}" type="datetime1">
               <a:rPr lang="es-CL" smtClean="0"/>
-              <a:t>12-09-2016</a:t>
+              <a:t>13-09-2016</a:t>
             </a:fld>
             <a:endParaRPr lang="es-CL"/>
           </a:p>
@@ -4924,7 +4923,7 @@
           <a:p>
             <a:fld id="{A0456DFA-3945-4E01-A82F-05D34E7C69EF}" type="datetime1">
               <a:rPr lang="es-CL" smtClean="0"/>
-              <a:t>12-09-2016</a:t>
+              <a:t>13-09-2016</a:t>
             </a:fld>
             <a:endParaRPr lang="es-CL"/>
           </a:p>
@@ -5083,7 +5082,7 @@
           <a:p>
             <a:fld id="{557C4F69-2838-42FA-8DBD-EC78C746AC4D}" type="datetime1">
               <a:rPr lang="es-CL" smtClean="0"/>
-              <a:t>12-09-2016</a:t>
+              <a:t>13-09-2016</a:t>
             </a:fld>
             <a:endParaRPr lang="es-CL"/>
           </a:p>
@@ -5219,7 +5218,7 @@
           <a:p>
             <a:fld id="{07EEB1EE-80D2-40B9-84CD-27545A9BFEA4}" type="datetime1">
               <a:rPr lang="es-CL" smtClean="0"/>
-              <a:t>12-09-2016</a:t>
+              <a:t>13-09-2016</a:t>
             </a:fld>
             <a:endParaRPr lang="es-CL"/>
           </a:p>
@@ -5547,7 +5546,7 @@
           <a:p>
             <a:fld id="{D8391AB1-5E7F-4428-BF74-71643B6F22AD}" type="datetime1">
               <a:rPr lang="es-CL" smtClean="0"/>
-              <a:t>12-09-2016</a:t>
+              <a:t>13-09-2016</a:t>
             </a:fld>
             <a:endParaRPr lang="es-CL"/>
           </a:p>
@@ -5862,7 +5861,7 @@
           <a:p>
             <a:fld id="{8E766E1C-99D9-459A-8191-EBC25BE06DF5}" type="datetime1">
               <a:rPr lang="es-CL" smtClean="0"/>
-              <a:t>12-09-2016</a:t>
+              <a:t>13-09-2016</a:t>
             </a:fld>
             <a:endParaRPr lang="es-CL"/>
           </a:p>
@@ -6114,7 +6113,7 @@
           <a:p>
             <a:fld id="{9FB8A2EC-9F2E-49B3-BC1D-41B8951AFF83}" type="datetime1">
               <a:rPr lang="es-CL" smtClean="0"/>
-              <a:t>12-09-2016</a:t>
+              <a:t>13-09-2016</a:t>
             </a:fld>
             <a:endParaRPr lang="es-CL"/>
           </a:p>
@@ -8887,6 +8886,7 @@
           <a:prstGeom prst="rect">
             <a:avLst/>
           </a:prstGeom>
+          <a:noFill/>
         </p:spPr>
         <p:style>
           <a:lnRef idx="2">
@@ -8919,14 +8919,20 @@
               </a:spcAft>
             </a:pPr>
             <a:r>
-              <a:rPr lang="es-ES" dirty="0">
+              <a:rPr lang="es-ES" b="1" dirty="0">
+                <a:solidFill>
+                  <a:schemeClr val="tx1"/>
+                </a:solidFill>
                 <a:effectLst/>
                 <a:ea typeface="Calibri" panose="020F0502020204030204" pitchFamily="34" charset="0"/>
                 <a:cs typeface="Times New Roman" panose="02020603050405020304" pitchFamily="18" charset="0"/>
               </a:rPr>
               <a:t>Alto volumen de pacientes</a:t>
             </a:r>
-            <a:endParaRPr lang="es-CL" sz="3200" dirty="0">
+            <a:endParaRPr lang="es-CL" sz="3200" b="1" dirty="0">
+              <a:solidFill>
+                <a:schemeClr val="tx1"/>
+              </a:solidFill>
               <a:effectLst/>
               <a:ea typeface="Calibri" panose="020F0502020204030204" pitchFamily="34" charset="0"/>
               <a:cs typeface="Times New Roman" panose="02020603050405020304" pitchFamily="18" charset="0"/>
@@ -8980,14 +8986,14 @@
               </a:spcAft>
             </a:pPr>
             <a:r>
-              <a:rPr lang="es-ES" sz="1600" u="sng" dirty="0">
+              <a:rPr lang="es-ES" sz="1600" b="1" dirty="0">
                 <a:effectLst/>
                 <a:ea typeface="Calibri" panose="020F0502020204030204" pitchFamily="34" charset="0"/>
                 <a:cs typeface="Times New Roman" panose="02020603050405020304" pitchFamily="18" charset="0"/>
               </a:rPr>
               <a:t>Atraso tecnológico</a:t>
             </a:r>
-            <a:endParaRPr lang="es-ES" sz="2800" u="sng" dirty="0">
+            <a:endParaRPr lang="es-ES" sz="2800" b="1" dirty="0">
               <a:effectLst/>
               <a:ea typeface="Calibri" panose="020F0502020204030204" pitchFamily="34" charset="0"/>
               <a:cs typeface="Times New Roman" panose="02020603050405020304" pitchFamily="18" charset="0"/>
@@ -9033,8 +9039,8 @@
         </p:nvSpPr>
         <p:spPr>
           <a:xfrm>
-            <a:off x="3778287" y="4654482"/>
-            <a:ext cx="1776091" cy="585029"/>
+            <a:off x="3778287" y="4561764"/>
+            <a:ext cx="1776091" cy="677747"/>
           </a:xfrm>
           <a:prstGeom prst="rect">
             <a:avLst/>
@@ -9071,46 +9077,22 @@
               </a:spcAft>
             </a:pPr>
             <a:r>
-              <a:rPr lang="es-CL" sz="1400" dirty="0">
+              <a:rPr lang="es-ES" sz="1400" b="1" dirty="0" smtClean="0">
                 <a:effectLst/>
                 <a:ea typeface="Calibri" panose="020F0502020204030204" pitchFamily="34" charset="0"/>
                 <a:cs typeface="Times New Roman" panose="02020603050405020304" pitchFamily="18" charset="0"/>
               </a:rPr>
-              <a:t> </a:t>
-            </a:r>
-            <a:r>
-              <a:rPr lang="es-CL" sz="1400" u="sng" dirty="0">
+              <a:t>almacenamiento </a:t>
+            </a:r>
+            <a:r>
+              <a:rPr lang="es-ES" sz="1400" b="1" dirty="0">
                 <a:effectLst/>
                 <a:ea typeface="Calibri" panose="020F0502020204030204" pitchFamily="34" charset="0"/>
                 <a:cs typeface="Times New Roman" panose="02020603050405020304" pitchFamily="18" charset="0"/>
               </a:rPr>
-              <a:t>A</a:t>
-            </a:r>
-            <a:r>
-              <a:rPr lang="es-ES" sz="1400" u="sng" dirty="0" err="1">
-                <a:effectLst/>
-                <a:ea typeface="Calibri" panose="020F0502020204030204" pitchFamily="34" charset="0"/>
-                <a:cs typeface="Times New Roman" panose="02020603050405020304" pitchFamily="18" charset="0"/>
-              </a:rPr>
-              <a:t>lmacenamiento</a:t>
-            </a:r>
-            <a:r>
-              <a:rPr lang="es-ES" sz="1400" u="sng" dirty="0">
-                <a:effectLst/>
-                <a:ea typeface="Calibri" panose="020F0502020204030204" pitchFamily="34" charset="0"/>
-                <a:cs typeface="Times New Roman" panose="02020603050405020304" pitchFamily="18" charset="0"/>
-              </a:rPr>
-              <a:t> desorganizado</a:t>
-            </a:r>
-            <a:r>
-              <a:rPr lang="es-ES" sz="1400" dirty="0">
-                <a:effectLst/>
-                <a:ea typeface="Calibri" panose="020F0502020204030204" pitchFamily="34" charset="0"/>
-                <a:cs typeface="Times New Roman" panose="02020603050405020304" pitchFamily="18" charset="0"/>
-              </a:rPr>
-              <a:t> </a:t>
-            </a:r>
-            <a:endParaRPr lang="es-ES" sz="2400" dirty="0">
+              <a:t>desorganizado </a:t>
+            </a:r>
+            <a:endParaRPr lang="es-ES" sz="2400" b="1" dirty="0">
               <a:effectLst/>
               <a:ea typeface="Calibri" panose="020F0502020204030204" pitchFamily="34" charset="0"/>
               <a:cs typeface="Times New Roman" panose="02020603050405020304" pitchFamily="18" charset="0"/>
@@ -9472,14 +9454,14 @@
               </a:spcAft>
             </a:pPr>
             <a:r>
-              <a:rPr lang="es-ES" u="sng" dirty="0">
+              <a:rPr lang="es-ES" b="1" dirty="0">
                 <a:effectLst/>
                 <a:ea typeface="Calibri" panose="020F0502020204030204" pitchFamily="34" charset="0"/>
                 <a:cs typeface="Times New Roman" panose="02020603050405020304" pitchFamily="18" charset="0"/>
               </a:rPr>
               <a:t>Poca claridad</a:t>
             </a:r>
-            <a:endParaRPr lang="es-ES" sz="3200" u="sng" dirty="0">
+            <a:endParaRPr lang="es-ES" sz="3200" b="1" dirty="0">
               <a:effectLst/>
               <a:ea typeface="Calibri" panose="020F0502020204030204" pitchFamily="34" charset="0"/>
               <a:cs typeface="Times New Roman" panose="02020603050405020304" pitchFamily="18" charset="0"/>
@@ -9495,12 +9477,13 @@
         </p:nvSpPr>
         <p:spPr>
           <a:xfrm>
-            <a:off x="4409725" y="2745330"/>
-            <a:ext cx="1784342" cy="343506"/>
+            <a:off x="4409725" y="2606504"/>
+            <a:ext cx="1784342" cy="482332"/>
           </a:xfrm>
           <a:prstGeom prst="rect">
             <a:avLst/>
           </a:prstGeom>
+          <a:noFill/>
         </p:spPr>
         <p:style>
           <a:lnRef idx="2">
@@ -9533,14 +9516,20 @@
               </a:spcAft>
             </a:pPr>
             <a:r>
-              <a:rPr lang="es-ES" sz="1600" dirty="0">
+              <a:rPr lang="es-ES" sz="1600" b="1" dirty="0">
+                <a:solidFill>
+                  <a:schemeClr val="tx1"/>
+                </a:solidFill>
                 <a:effectLst/>
                 <a:ea typeface="Calibri" panose="020F0502020204030204" pitchFamily="34" charset="0"/>
                 <a:cs typeface="Times New Roman" panose="02020603050405020304" pitchFamily="18" charset="0"/>
               </a:rPr>
               <a:t>Pérdida de datos</a:t>
             </a:r>
-            <a:endParaRPr lang="es-CL" sz="2800" dirty="0">
+            <a:endParaRPr lang="es-CL" sz="2800" b="1" dirty="0">
+              <a:solidFill>
+                <a:schemeClr val="tx1"/>
+              </a:solidFill>
               <a:effectLst/>
               <a:ea typeface="Calibri" panose="020F0502020204030204" pitchFamily="34" charset="0"/>
               <a:cs typeface="Times New Roman" panose="02020603050405020304" pitchFamily="18" charset="0"/>
@@ -9594,7 +9583,7 @@
               </a:spcAft>
             </a:pPr>
             <a:r>
-              <a:rPr lang="es-ES" sz="1400" u="sng" dirty="0">
+              <a:rPr lang="es-ES" sz="1400" b="1" dirty="0">
                 <a:effectLst/>
                 <a:ea typeface="Calibri" panose="020F0502020204030204" pitchFamily="34" charset="0"/>
                 <a:cs typeface="Times New Roman" panose="02020603050405020304" pitchFamily="18" charset="0"/>
@@ -9679,6 +9668,7 @@
           <a:prstGeom prst="rect">
             <a:avLst/>
           </a:prstGeom>
+          <a:noFill/>
         </p:spPr>
         <p:style>
           <a:lnRef idx="2">
@@ -9724,6 +9714,9 @@
             </a:pPr>
             <a:r>
               <a:rPr lang="es-ES" sz="2000" dirty="0">
+                <a:solidFill>
+                  <a:schemeClr val="tx1"/>
+                </a:solidFill>
                 <a:effectLst/>
                 <a:ea typeface="Calibri" panose="020F0502020204030204" pitchFamily="34" charset="0"/>
                 <a:cs typeface="Times New Roman" panose="02020603050405020304" pitchFamily="18" charset="0"/>
@@ -9731,6 +9724,9 @@
               <a:t>Datos en papel</a:t>
             </a:r>
             <a:endParaRPr lang="es-CL" sz="3600" dirty="0">
+              <a:solidFill>
+                <a:schemeClr val="tx1"/>
+              </a:solidFill>
               <a:effectLst/>
               <a:ea typeface="Calibri" panose="020F0502020204030204" pitchFamily="34" charset="0"/>
               <a:cs typeface="Times New Roman" panose="02020603050405020304" pitchFamily="18" charset="0"/>

--- a/docs/plan-de-proyecto/presentacion_caso.pptx
+++ b/docs/plan-de-proyecto/presentacion_caso.pptx
@@ -8581,14 +8581,14 @@
               </a:spcAft>
             </a:pPr>
             <a:r>
-              <a:rPr lang="es-ES_tradnl" sz="1200">
+              <a:rPr lang="es-ES_tradnl" sz="1200" dirty="0">
                 <a:effectLst/>
                 <a:ea typeface="Calibri" panose="020F0502020204030204" pitchFamily="34" charset="0"/>
                 <a:cs typeface="Times New Roman" panose="02020603050405020304" pitchFamily="18" charset="0"/>
               </a:rPr>
               <a:t> </a:t>
             </a:r>
-            <a:endParaRPr lang="es-CL" sz="1200">
+            <a:endParaRPr lang="es-CL" sz="1200" dirty="0">
               <a:effectLst/>
               <a:ea typeface="Calibri" panose="020F0502020204030204" pitchFamily="34" charset="0"/>
               <a:cs typeface="Times New Roman" panose="02020603050405020304" pitchFamily="18" charset="0"/>
@@ -8642,14 +8642,14 @@
               </a:spcAft>
             </a:pPr>
             <a:r>
-              <a:rPr lang="es-ES" sz="2400" dirty="0">
+              <a:rPr lang="es-ES" sz="2000" b="1" dirty="0">
                 <a:effectLst/>
                 <a:ea typeface="Calibri" panose="020F0502020204030204" pitchFamily="34" charset="0"/>
                 <a:cs typeface="Times New Roman" panose="02020603050405020304" pitchFamily="18" charset="0"/>
               </a:rPr>
               <a:t>Entorno</a:t>
             </a:r>
-            <a:endParaRPr lang="es-CL" sz="1200" dirty="0">
+            <a:endParaRPr lang="es-CL" sz="1100" b="1" dirty="0">
               <a:effectLst/>
               <a:ea typeface="Calibri" panose="020F0502020204030204" pitchFamily="34" charset="0"/>
               <a:cs typeface="Times New Roman" panose="02020603050405020304" pitchFamily="18" charset="0"/>
@@ -8703,13 +8703,13 @@
               </a:spcAft>
             </a:pPr>
             <a:r>
-              <a:rPr lang="es-CL" dirty="0">
+              <a:rPr lang="es-CL" sz="2000" b="1" dirty="0">
                 <a:ea typeface="Calibri" panose="020F0502020204030204" pitchFamily="34" charset="0"/>
                 <a:cs typeface="Times New Roman" panose="02020603050405020304" pitchFamily="18" charset="0"/>
               </a:rPr>
               <a:t>Procesos toman demasiado tiempo</a:t>
             </a:r>
-            <a:endParaRPr lang="es-CL" dirty="0">
+            <a:endParaRPr lang="es-CL" sz="2000" b="1" dirty="0">
               <a:effectLst/>
               <a:ea typeface="Calibri" panose="020F0502020204030204" pitchFamily="34" charset="0"/>
               <a:cs typeface="Times New Roman" panose="02020603050405020304" pitchFamily="18" charset="0"/>
@@ -8725,8 +8725,8 @@
         </p:nvCxnSpPr>
         <p:spPr>
           <a:xfrm>
-            <a:off x="3677412" y="3710544"/>
-            <a:ext cx="4670442" cy="11632"/>
+            <a:off x="3784091" y="3714628"/>
+            <a:ext cx="4659322" cy="22869"/>
           </a:xfrm>
           <a:prstGeom prst="line">
             <a:avLst/>
@@ -8850,8 +8850,8 @@
         </p:nvCxnSpPr>
         <p:spPr>
           <a:xfrm flipV="1">
-            <a:off x="5727386" y="3731680"/>
-            <a:ext cx="1174952" cy="1634553"/>
+            <a:off x="5501408" y="3731681"/>
+            <a:ext cx="1400930" cy="1634552"/>
           </a:xfrm>
           <a:prstGeom prst="line">
             <a:avLst/>
@@ -8919,7 +8919,7 @@
               </a:spcAft>
             </a:pPr>
             <a:r>
-              <a:rPr lang="es-ES" b="1" dirty="0">
+              <a:rPr lang="es-ES" sz="1600" b="1" dirty="0">
                 <a:solidFill>
                   <a:schemeClr val="tx1"/>
                 </a:solidFill>
@@ -8929,7 +8929,7 @@
               </a:rPr>
               <a:t>Alto volumen de pacientes</a:t>
             </a:r>
-            <a:endParaRPr lang="es-CL" sz="3200" b="1" dirty="0">
+            <a:endParaRPr lang="es-CL" sz="2800" b="1" dirty="0">
               <a:solidFill>
                 <a:schemeClr val="tx1"/>
               </a:solidFill>
@@ -9039,8 +9039,8 @@
         </p:nvSpPr>
         <p:spPr>
           <a:xfrm>
-            <a:off x="3778287" y="4561764"/>
-            <a:ext cx="1776091" cy="677747"/>
+            <a:off x="3518015" y="4561764"/>
+            <a:ext cx="2036364" cy="677747"/>
           </a:xfrm>
           <a:prstGeom prst="rect">
             <a:avLst/>
@@ -9077,22 +9077,29 @@
               </a:spcAft>
             </a:pPr>
             <a:r>
-              <a:rPr lang="es-ES" sz="1400" b="1" dirty="0" smtClean="0">
+              <a:rPr lang="es-ES" sz="1600" b="1" dirty="0">
+                <a:ea typeface="Calibri" panose="020F0502020204030204" pitchFamily="34" charset="0"/>
+                <a:cs typeface="Times New Roman" panose="02020603050405020304" pitchFamily="18" charset="0"/>
+              </a:rPr>
+              <a:t>A</a:t>
+            </a:r>
+            <a:r>
+              <a:rPr lang="es-ES" sz="1600" b="1" dirty="0" smtClean="0">
                 <a:effectLst/>
                 <a:ea typeface="Calibri" panose="020F0502020204030204" pitchFamily="34" charset="0"/>
                 <a:cs typeface="Times New Roman" panose="02020603050405020304" pitchFamily="18" charset="0"/>
               </a:rPr>
-              <a:t>almacenamiento </a:t>
-            </a:r>
-            <a:r>
-              <a:rPr lang="es-ES" sz="1400" b="1" dirty="0">
+              <a:t>lmacenamiento </a:t>
+            </a:r>
+            <a:r>
+              <a:rPr lang="es-ES" sz="1600" b="1" dirty="0">
                 <a:effectLst/>
                 <a:ea typeface="Calibri" panose="020F0502020204030204" pitchFamily="34" charset="0"/>
                 <a:cs typeface="Times New Roman" panose="02020603050405020304" pitchFamily="18" charset="0"/>
               </a:rPr>
               <a:t>desorganizado </a:t>
             </a:r>
-            <a:endParaRPr lang="es-ES" sz="2400" b="1" dirty="0">
+            <a:endParaRPr lang="es-ES" sz="2800" b="1" dirty="0">
               <a:effectLst/>
               <a:ea typeface="Calibri" panose="020F0502020204030204" pitchFamily="34" charset="0"/>
               <a:cs typeface="Times New Roman" panose="02020603050405020304" pitchFamily="18" charset="0"/>
@@ -9235,7 +9242,7 @@
         <p:spPr>
           <a:xfrm>
             <a:off x="5558398" y="4876435"/>
-            <a:ext cx="528954" cy="0"/>
+            <a:ext cx="281963" cy="24202"/>
           </a:xfrm>
           <a:prstGeom prst="line">
             <a:avLst/>
@@ -9294,8 +9301,8 @@
         </p:nvSpPr>
         <p:spPr>
           <a:xfrm>
-            <a:off x="2008054" y="1897530"/>
-            <a:ext cx="1862356" cy="535055"/>
+            <a:off x="1639488" y="1897530"/>
+            <a:ext cx="2449920" cy="535055"/>
           </a:xfrm>
           <a:prstGeom prst="roundRect">
             <a:avLst/>
@@ -9332,14 +9339,14 @@
               </a:spcAft>
             </a:pPr>
             <a:r>
-              <a:rPr lang="es-ES" dirty="0">
+              <a:rPr lang="es-ES" sz="2000" b="1" dirty="0">
                 <a:effectLst/>
                 <a:ea typeface="Calibri" panose="020F0502020204030204" pitchFamily="34" charset="0"/>
                 <a:cs typeface="Times New Roman" panose="02020603050405020304" pitchFamily="18" charset="0"/>
               </a:rPr>
               <a:t>Procedimientos</a:t>
             </a:r>
-            <a:endParaRPr lang="es-CL" sz="1200" dirty="0">
+            <a:endParaRPr lang="es-CL" sz="1400" b="1" dirty="0">
               <a:effectLst/>
               <a:ea typeface="Calibri" panose="020F0502020204030204" pitchFamily="34" charset="0"/>
               <a:cs typeface="Times New Roman" panose="02020603050405020304" pitchFamily="18" charset="0"/>
@@ -9355,8 +9362,8 @@
         </p:nvSpPr>
         <p:spPr>
           <a:xfrm>
-            <a:off x="5260466" y="1903078"/>
-            <a:ext cx="1687760" cy="535055"/>
+            <a:off x="5058697" y="1903078"/>
+            <a:ext cx="1889529" cy="535055"/>
           </a:xfrm>
           <a:prstGeom prst="roundRect">
             <a:avLst/>
@@ -9393,14 +9400,14 @@
               </a:spcAft>
             </a:pPr>
             <a:r>
-              <a:rPr lang="es-ES" sz="2000" dirty="0">
+              <a:rPr lang="es-ES" sz="2000" b="1" dirty="0">
                 <a:effectLst/>
                 <a:ea typeface="Calibri" panose="020F0502020204030204" pitchFamily="34" charset="0"/>
                 <a:cs typeface="Times New Roman" panose="02020603050405020304" pitchFamily="18" charset="0"/>
               </a:rPr>
               <a:t>Información</a:t>
             </a:r>
-            <a:endParaRPr lang="es-CL" sz="1200" dirty="0">
+            <a:endParaRPr lang="es-CL" sz="1200" b="1" dirty="0">
               <a:effectLst/>
               <a:ea typeface="Calibri" panose="020F0502020204030204" pitchFamily="34" charset="0"/>
               <a:cs typeface="Times New Roman" panose="02020603050405020304" pitchFamily="18" charset="0"/>
@@ -9454,14 +9461,14 @@
               </a:spcAft>
             </a:pPr>
             <a:r>
-              <a:rPr lang="es-ES" b="1" dirty="0">
+              <a:rPr lang="es-ES" sz="1600" b="1" dirty="0">
                 <a:effectLst/>
                 <a:ea typeface="Calibri" panose="020F0502020204030204" pitchFamily="34" charset="0"/>
                 <a:cs typeface="Times New Roman" panose="02020603050405020304" pitchFamily="18" charset="0"/>
               </a:rPr>
               <a:t>Poca claridad</a:t>
             </a:r>
-            <a:endParaRPr lang="es-ES" sz="3200" b="1" dirty="0">
+            <a:endParaRPr lang="es-ES" sz="2800" b="1" dirty="0">
               <a:effectLst/>
               <a:ea typeface="Calibri" panose="020F0502020204030204" pitchFamily="34" charset="0"/>
               <a:cs typeface="Times New Roman" panose="02020603050405020304" pitchFamily="18" charset="0"/>
@@ -9583,7 +9590,7 @@
               </a:spcAft>
             </a:pPr>
             <a:r>
-              <a:rPr lang="es-ES" sz="1400" b="1" dirty="0">
+              <a:rPr lang="es-ES" sz="1600" b="1" dirty="0">
                 <a:effectLst/>
                 <a:ea typeface="Calibri" panose="020F0502020204030204" pitchFamily="34" charset="0"/>
                 <a:cs typeface="Times New Roman" panose="02020603050405020304" pitchFamily="18" charset="0"/>
@@ -9601,8 +9608,8 @@
         </p:nvSpPr>
         <p:spPr>
           <a:xfrm>
-            <a:off x="4861681" y="5366233"/>
-            <a:ext cx="1731409" cy="535055"/>
+            <a:off x="4409725" y="5366233"/>
+            <a:ext cx="2183365" cy="535055"/>
           </a:xfrm>
           <a:prstGeom prst="roundRect">
             <a:avLst/>
@@ -9639,14 +9646,14 @@
               </a:spcAft>
             </a:pPr>
             <a:r>
-              <a:rPr lang="es-ES" dirty="0">
+              <a:rPr lang="es-ES" sz="2000" b="1" dirty="0">
                 <a:effectLst/>
                 <a:ea typeface="Calibri" panose="020F0502020204030204" pitchFamily="34" charset="0"/>
                 <a:cs typeface="Times New Roman" panose="02020603050405020304" pitchFamily="18" charset="0"/>
               </a:rPr>
               <a:t>Herramientas</a:t>
             </a:r>
-            <a:endParaRPr lang="es-CL" sz="1200" dirty="0">
+            <a:endParaRPr lang="es-CL" sz="1400" b="1" dirty="0">
               <a:effectLst/>
               <a:ea typeface="Calibri" panose="020F0502020204030204" pitchFamily="34" charset="0"/>
               <a:cs typeface="Times New Roman" panose="02020603050405020304" pitchFamily="18" charset="0"/>
@@ -9713,7 +9720,7 @@
               </a:spcAft>
             </a:pPr>
             <a:r>
-              <a:rPr lang="es-ES" sz="2000" dirty="0">
+              <a:rPr lang="es-ES" sz="1600" b="1" dirty="0">
                 <a:solidFill>
                   <a:schemeClr val="tx1"/>
                 </a:solidFill>
@@ -9723,7 +9730,7 @@
               </a:rPr>
               <a:t>Datos en papel</a:t>
             </a:r>
-            <a:endParaRPr lang="es-CL" sz="3600" dirty="0">
+            <a:endParaRPr lang="es-CL" sz="1600" b="1" dirty="0">
               <a:solidFill>
                 <a:schemeClr val="tx1"/>
               </a:solidFill>
